--- a/Laboratorul 1/Laboratorul 1.pptx
+++ b/Laboratorul 1/Laboratorul 1.pptx
@@ -8,20 +8,19 @@
     <p:sldId id="256" r:id="rId2"/>
     <p:sldId id="261" r:id="rId3"/>
     <p:sldId id="278" r:id="rId4"/>
-    <p:sldId id="279" r:id="rId5"/>
-    <p:sldId id="262" r:id="rId6"/>
-    <p:sldId id="257" r:id="rId7"/>
-    <p:sldId id="263" r:id="rId8"/>
-    <p:sldId id="264" r:id="rId9"/>
-    <p:sldId id="265" r:id="rId10"/>
-    <p:sldId id="272" r:id="rId11"/>
-    <p:sldId id="273" r:id="rId12"/>
-    <p:sldId id="266" r:id="rId13"/>
-    <p:sldId id="267" r:id="rId14"/>
-    <p:sldId id="274" r:id="rId15"/>
-    <p:sldId id="275" r:id="rId16"/>
-    <p:sldId id="280" r:id="rId17"/>
-    <p:sldId id="281" r:id="rId18"/>
+    <p:sldId id="257" r:id="rId5"/>
+    <p:sldId id="263" r:id="rId6"/>
+    <p:sldId id="264" r:id="rId7"/>
+    <p:sldId id="265" r:id="rId8"/>
+    <p:sldId id="272" r:id="rId9"/>
+    <p:sldId id="273" r:id="rId10"/>
+    <p:sldId id="266" r:id="rId11"/>
+    <p:sldId id="267" r:id="rId12"/>
+    <p:sldId id="274" r:id="rId13"/>
+    <p:sldId id="275" r:id="rId14"/>
+    <p:sldId id="280" r:id="rId15"/>
+    <p:sldId id="282" r:id="rId16"/>
+    <p:sldId id="281" r:id="rId17"/>
   </p:sldIdLst>
   <p:sldSz cx="12192000" cy="6858000"/>
   <p:notesSz cx="6858000" cy="9144000"/>
@@ -297,7 +296,7 @@
           <a:p>
             <a:fld id="{D6D7597C-132F-4FA0-AFE4-0E5DC7C962C7}" type="datetimeFigureOut">
               <a:rPr lang="ro-RO" smtClean="0"/>
-              <a:t>29.11.2023</a:t>
+              <a:t>13.12.2023</a:t>
             </a:fld>
             <a:endParaRPr lang="ro-RO"/>
           </a:p>
@@ -627,7 +626,7 @@
           <a:p>
             <a:fld id="{D6D7597C-132F-4FA0-AFE4-0E5DC7C962C7}" type="datetimeFigureOut">
               <a:rPr lang="ro-RO" smtClean="0"/>
-              <a:t>29.11.2023</a:t>
+              <a:t>13.12.2023</a:t>
             </a:fld>
             <a:endParaRPr lang="ro-RO"/>
           </a:p>
@@ -807,7 +806,7 @@
           <a:p>
             <a:fld id="{D6D7597C-132F-4FA0-AFE4-0E5DC7C962C7}" type="datetimeFigureOut">
               <a:rPr lang="ro-RO" smtClean="0"/>
-              <a:t>29.11.2023</a:t>
+              <a:t>13.12.2023</a:t>
             </a:fld>
             <a:endParaRPr lang="ro-RO"/>
           </a:p>
@@ -977,7 +976,7 @@
           <a:p>
             <a:fld id="{D6D7597C-132F-4FA0-AFE4-0E5DC7C962C7}" type="datetimeFigureOut">
               <a:rPr lang="ro-RO" smtClean="0"/>
-              <a:t>29.11.2023</a:t>
+              <a:t>13.12.2023</a:t>
             </a:fld>
             <a:endParaRPr lang="ro-RO"/>
           </a:p>
@@ -1254,7 +1253,7 @@
           <a:p>
             <a:fld id="{D6D7597C-132F-4FA0-AFE4-0E5DC7C962C7}" type="datetimeFigureOut">
               <a:rPr lang="ro-RO" smtClean="0"/>
-              <a:t>29.11.2023</a:t>
+              <a:t>13.12.2023</a:t>
             </a:fld>
             <a:endParaRPr lang="ro-RO"/>
           </a:p>
@@ -1648,7 +1647,7 @@
           <a:p>
             <a:fld id="{D6D7597C-132F-4FA0-AFE4-0E5DC7C962C7}" type="datetimeFigureOut">
               <a:rPr lang="ro-RO" smtClean="0"/>
-              <a:t>29.11.2023</a:t>
+              <a:t>13.12.2023</a:t>
             </a:fld>
             <a:endParaRPr lang="ro-RO"/>
           </a:p>
@@ -2125,7 +2124,7 @@
           <a:p>
             <a:fld id="{D6D7597C-132F-4FA0-AFE4-0E5DC7C962C7}" type="datetimeFigureOut">
               <a:rPr lang="ro-RO" smtClean="0"/>
-              <a:t>29.11.2023</a:t>
+              <a:t>13.12.2023</a:t>
             </a:fld>
             <a:endParaRPr lang="ro-RO"/>
           </a:p>
@@ -2243,7 +2242,7 @@
           <a:p>
             <a:fld id="{D6D7597C-132F-4FA0-AFE4-0E5DC7C962C7}" type="datetimeFigureOut">
               <a:rPr lang="ro-RO" smtClean="0"/>
-              <a:t>29.11.2023</a:t>
+              <a:t>13.12.2023</a:t>
             </a:fld>
             <a:endParaRPr lang="ro-RO"/>
           </a:p>
@@ -2338,7 +2337,7 @@
           <a:p>
             <a:fld id="{D6D7597C-132F-4FA0-AFE4-0E5DC7C962C7}" type="datetimeFigureOut">
               <a:rPr lang="ro-RO" smtClean="0"/>
-              <a:t>29.11.2023</a:t>
+              <a:t>13.12.2023</a:t>
             </a:fld>
             <a:endParaRPr lang="ro-RO"/>
           </a:p>
@@ -2684,7 +2683,7 @@
           <a:p>
             <a:fld id="{D6D7597C-132F-4FA0-AFE4-0E5DC7C962C7}" type="datetimeFigureOut">
               <a:rPr lang="ro-RO" smtClean="0"/>
-              <a:t>29.11.2023</a:t>
+              <a:t>13.12.2023</a:t>
             </a:fld>
             <a:endParaRPr lang="ro-RO"/>
           </a:p>
@@ -3072,7 +3071,7 @@
           <a:p>
             <a:fld id="{D6D7597C-132F-4FA0-AFE4-0E5DC7C962C7}" type="datetimeFigureOut">
               <a:rPr lang="ro-RO" smtClean="0"/>
-              <a:t>29.11.2023</a:t>
+              <a:t>13.12.2023</a:t>
             </a:fld>
             <a:endParaRPr lang="ro-RO"/>
           </a:p>
@@ -3350,7 +3349,7 @@
           <a:p>
             <a:fld id="{D6D7597C-132F-4FA0-AFE4-0E5DC7C962C7}" type="datetimeFigureOut">
               <a:rPr lang="ro-RO" smtClean="0"/>
-              <a:t>29.11.2023</a:t>
+              <a:t>13.12.2023</a:t>
             </a:fld>
             <a:endParaRPr lang="ro-RO"/>
           </a:p>
@@ -4014,170 +4013,6 @@
           <a:p>
             <a:pPr algn="ctr"/>
             <a:r>
-              <a:rPr lang="en-US" dirty="0" err="1"/>
-              <a:t>Tempoul</a:t>
-            </a:r>
-            <a:r>
-              <a:rPr lang="en-US" dirty="0"/>
-              <a:t> </a:t>
-            </a:r>
-            <a:r>
-              <a:rPr lang="en-US" dirty="0" err="1"/>
-              <a:t>cel</a:t>
-            </a:r>
-            <a:r>
-              <a:rPr lang="en-US" dirty="0"/>
-              <a:t> </a:t>
-            </a:r>
-            <a:r>
-              <a:rPr lang="en-US" dirty="0" err="1"/>
-              <a:t>mai</a:t>
-            </a:r>
-            <a:r>
-              <a:rPr lang="en-US" dirty="0"/>
-              <a:t> des </a:t>
-            </a:r>
-            <a:r>
-              <a:rPr lang="en-US" dirty="0" err="1"/>
-              <a:t>folosit</a:t>
-            </a:r>
-            <a:r>
-              <a:rPr lang="en-US" dirty="0"/>
-              <a:t> </a:t>
-            </a:r>
-            <a:r>
-              <a:rPr lang="en-US" dirty="0" err="1"/>
-              <a:t>dupa</a:t>
-            </a:r>
-            <a:r>
-              <a:rPr lang="en-US" dirty="0"/>
-              <a:t> </a:t>
-            </a:r>
-            <a:r>
-              <a:rPr lang="ro-RO" dirty="0"/>
-              <a:t>genuri de muzica</a:t>
-            </a:r>
-          </a:p>
-        </p:txBody>
-      </p:sp>
-    </p:spTree>
-    <p:extLst>
-      <p:ext uri="{BB962C8B-B14F-4D97-AF65-F5344CB8AC3E}">
-        <p14:creationId xmlns:p14="http://schemas.microsoft.com/office/powerpoint/2010/main" val="1473049237"/>
-      </p:ext>
-    </p:extLst>
-  </p:cSld>
-  <p:clrMapOvr>
-    <a:masterClrMapping/>
-  </p:clrMapOvr>
-</p:sld>
-</file>
-
-<file path=ppt/slides/slide11.xml><?xml version="1.0" encoding="utf-8"?>
-<p:sld xmlns:a="http://schemas.openxmlformats.org/drawingml/2006/main" xmlns:r="http://schemas.openxmlformats.org/officeDocument/2006/relationships" xmlns:p="http://schemas.openxmlformats.org/presentationml/2006/main">
-  <p:cSld>
-    <p:spTree>
-      <p:nvGrpSpPr>
-        <p:cNvPr id="1" name=""/>
-        <p:cNvGrpSpPr/>
-        <p:nvPr/>
-      </p:nvGrpSpPr>
-      <p:grpSpPr>
-        <a:xfrm>
-          <a:off x="0" y="0"/>
-          <a:ext cx="0" cy="0"/>
-          <a:chOff x="0" y="0"/>
-          <a:chExt cx="0" cy="0"/>
-        </a:xfrm>
-      </p:grpSpPr>
-      <p:pic>
-        <p:nvPicPr>
-          <p:cNvPr id="10" name="Imagine 9">
-            <a:extLst>
-              <a:ext uri="{FF2B5EF4-FFF2-40B4-BE49-F238E27FC236}">
-                <a16:creationId xmlns:a16="http://schemas.microsoft.com/office/drawing/2014/main" id="{D6F42E8F-661F-416A-ABEC-BF23C8DA1CDB}"/>
-              </a:ext>
-            </a:extLst>
-          </p:cNvPr>
-          <p:cNvPicPr>
-            <a:picLocks noChangeAspect="1"/>
-          </p:cNvPicPr>
-          <p:nvPr/>
-        </p:nvPicPr>
-        <p:blipFill>
-          <a:blip r:embed="rId2"/>
-          <a:stretch>
-            <a:fillRect/>
-          </a:stretch>
-        </p:blipFill>
-        <p:spPr>
-          <a:xfrm>
-            <a:off x="1423987" y="814387"/>
-            <a:ext cx="9344025" cy="5229225"/>
-          </a:xfrm>
-          <a:prstGeom prst="rect">
-            <a:avLst/>
-          </a:prstGeom>
-        </p:spPr>
-      </p:pic>
-    </p:spTree>
-    <p:extLst>
-      <p:ext uri="{BB962C8B-B14F-4D97-AF65-F5344CB8AC3E}">
-        <p14:creationId xmlns:p14="http://schemas.microsoft.com/office/powerpoint/2010/main" val="1385776931"/>
-      </p:ext>
-    </p:extLst>
-  </p:cSld>
-  <p:clrMapOvr>
-    <a:masterClrMapping/>
-  </p:clrMapOvr>
-</p:sld>
-</file>
-
-<file path=ppt/slides/slide12.xml><?xml version="1.0" encoding="utf-8"?>
-<p:sld xmlns:a="http://schemas.openxmlformats.org/drawingml/2006/main" xmlns:r="http://schemas.openxmlformats.org/officeDocument/2006/relationships" xmlns:p="http://schemas.openxmlformats.org/presentationml/2006/main">
-  <p:cSld>
-    <p:spTree>
-      <p:nvGrpSpPr>
-        <p:cNvPr id="1" name=""/>
-        <p:cNvGrpSpPr/>
-        <p:nvPr/>
-      </p:nvGrpSpPr>
-      <p:grpSpPr>
-        <a:xfrm>
-          <a:off x="0" y="0"/>
-          <a:ext cx="0" cy="0"/>
-          <a:chOff x="0" y="0"/>
-          <a:chExt cx="0" cy="0"/>
-        </a:xfrm>
-      </p:grpSpPr>
-      <p:sp>
-        <p:nvSpPr>
-          <p:cNvPr id="9" name="Titlu 1">
-            <a:extLst>
-              <a:ext uri="{FF2B5EF4-FFF2-40B4-BE49-F238E27FC236}">
-                <a16:creationId xmlns:a16="http://schemas.microsoft.com/office/drawing/2014/main" id="{EBDC036E-D411-48E6-ACAE-6B15C3C03E68}"/>
-              </a:ext>
-            </a:extLst>
-          </p:cNvPr>
-          <p:cNvSpPr>
-            <a:spLocks noGrp="1"/>
-          </p:cNvSpPr>
-          <p:nvPr>
-            <p:ph type="title"/>
-          </p:nvPr>
-        </p:nvSpPr>
-        <p:spPr>
-          <a:xfrm>
-            <a:off x="1295400" y="2362200"/>
-            <a:ext cx="9601200" cy="1485900"/>
-          </a:xfrm>
-        </p:spPr>
-        <p:txBody>
-          <a:bodyPr/>
-          <a:lstStyle/>
-          <a:p>
-            <a:pPr algn="ctr"/>
-            <a:r>
               <a:rPr lang="ro-RO" dirty="0"/>
               <a:t>Cel mai </a:t>
             </a:r>
@@ -4202,7 +4037,7 @@
 </p:sld>
 </file>
 
-<file path=ppt/slides/slide13.xml><?xml version="1.0" encoding="utf-8"?>
+<file path=ppt/slides/slide11.xml><?xml version="1.0" encoding="utf-8"?>
 <p:sld xmlns:a="http://schemas.openxmlformats.org/drawingml/2006/main" xmlns:r="http://schemas.openxmlformats.org/officeDocument/2006/relationships" xmlns:p="http://schemas.openxmlformats.org/presentationml/2006/main">
   <p:cSld>
     <p:spTree>
@@ -4262,7 +4097,7 @@
 </p:sld>
 </file>
 
-<file path=ppt/slides/slide14.xml><?xml version="1.0" encoding="utf-8"?>
+<file path=ppt/slides/slide12.xml><?xml version="1.0" encoding="utf-8"?>
 <p:sld xmlns:a="http://schemas.openxmlformats.org/drawingml/2006/main" xmlns:r="http://schemas.openxmlformats.org/officeDocument/2006/relationships" xmlns:p="http://schemas.openxmlformats.org/presentationml/2006/main">
   <p:cSld>
     <p:spTree>
@@ -4369,7 +4204,7 @@
 </p:sld>
 </file>
 
-<file path=ppt/slides/slide15.xml><?xml version="1.0" encoding="utf-8"?>
+<file path=ppt/slides/slide13.xml><?xml version="1.0" encoding="utf-8"?>
 <p:sld xmlns:a="http://schemas.openxmlformats.org/drawingml/2006/main" xmlns:r="http://schemas.openxmlformats.org/officeDocument/2006/relationships" xmlns:p="http://schemas.openxmlformats.org/presentationml/2006/main">
   <p:cSld>
     <p:spTree>
@@ -4429,7 +4264,7 @@
 </p:sld>
 </file>
 
-<file path=ppt/slides/slide16.xml><?xml version="1.0" encoding="utf-8"?>
+<file path=ppt/slides/slide14.xml><?xml version="1.0" encoding="utf-8"?>
 <p:sld xmlns:a="http://schemas.openxmlformats.org/drawingml/2006/main" xmlns:r="http://schemas.openxmlformats.org/officeDocument/2006/relationships" xmlns:p="http://schemas.openxmlformats.org/presentationml/2006/main">
   <p:cSld>
     <p:spTree>
@@ -4489,7 +4324,170 @@
 </p:sld>
 </file>
 
-<file path=ppt/slides/slide17.xml><?xml version="1.0" encoding="utf-8"?>
+<file path=ppt/slides/slide15.xml><?xml version="1.0" encoding="utf-8"?>
+<p:sld xmlns:a="http://schemas.openxmlformats.org/drawingml/2006/main" xmlns:r="http://schemas.openxmlformats.org/officeDocument/2006/relationships" xmlns:p="http://schemas.openxmlformats.org/presentationml/2006/main">
+  <p:cSld>
+    <p:spTree>
+      <p:nvGrpSpPr>
+        <p:cNvPr id="1" name=""/>
+        <p:cNvGrpSpPr/>
+        <p:nvPr/>
+      </p:nvGrpSpPr>
+      <p:grpSpPr>
+        <a:xfrm>
+          <a:off x="0" y="0"/>
+          <a:ext cx="0" cy="0"/>
+          <a:chOff x="0" y="0"/>
+          <a:chExt cx="0" cy="0"/>
+        </a:xfrm>
+      </p:grpSpPr>
+      <p:sp>
+        <p:nvSpPr>
+          <p:cNvPr id="8" name="CasetăText 7">
+            <a:extLst>
+              <a:ext uri="{FF2B5EF4-FFF2-40B4-BE49-F238E27FC236}">
+                <a16:creationId xmlns:a16="http://schemas.microsoft.com/office/drawing/2014/main" id="{2849FB81-DD86-4F47-B4C7-54CDD89A7E33}"/>
+              </a:ext>
+            </a:extLst>
+          </p:cNvPr>
+          <p:cNvSpPr txBox="1"/>
+          <p:nvPr/>
+        </p:nvSpPr>
+        <p:spPr>
+          <a:xfrm>
+            <a:off x="1386430" y="1277175"/>
+            <a:ext cx="10372725" cy="4462760"/>
+          </a:xfrm>
+          <a:prstGeom prst="rect">
+            <a:avLst/>
+          </a:prstGeom>
+          <a:noFill/>
+        </p:spPr>
+        <p:txBody>
+          <a:bodyPr wrap="square">
+            <a:spAutoFit/>
+          </a:bodyPr>
+          <a:lstStyle/>
+          <a:p>
+            <a:r>
+              <a:rPr lang="ro-RO" sz="2800" dirty="0"/>
+              <a:t>În scopul de a investiga relația dintre variabila dependentă binară ("explicit") și variabila independentă continuă ("</a:t>
+            </a:r>
+            <a:r>
+              <a:rPr lang="ro-RO" sz="2800" dirty="0" err="1"/>
+              <a:t>popularity</a:t>
+            </a:r>
+            <a:r>
+              <a:rPr lang="ro-RO" sz="2800" dirty="0"/>
+              <a:t>"), am implementat un model logistic. </a:t>
+            </a:r>
+            <a:r>
+              <a:rPr kumimoji="0" lang="ro-RO" altLang="ro-RO" sz="2800" i="0" u="none" strike="noStrike" cap="none" normalizeH="0" baseline="0" dirty="0">
+                <a:ln>
+                  <a:noFill/>
+                </a:ln>
+                <a:effectLst/>
+                <a:latin typeface="+mj-lt"/>
+              </a:rPr>
+              <a:t>Am folosit funcția </a:t>
+            </a:r>
+            <a:r>
+              <a:rPr kumimoji="0" lang="ro-RO" altLang="ro-RO" sz="3200" i="0" u="none" strike="noStrike" cap="none" normalizeH="0" baseline="0" dirty="0" err="1">
+                <a:ln>
+                  <a:noFill/>
+                </a:ln>
+                <a:effectLst/>
+                <a:latin typeface="+mj-lt"/>
+              </a:rPr>
+              <a:t>train</a:t>
+            </a:r>
+            <a:r>
+              <a:rPr kumimoji="0" lang="ro-RO" altLang="ro-RO" sz="2800" i="0" u="none" strike="noStrike" cap="none" normalizeH="0" baseline="0" dirty="0">
+                <a:ln>
+                  <a:noFill/>
+                </a:ln>
+                <a:effectLst/>
+                <a:latin typeface="+mj-lt"/>
+              </a:rPr>
+              <a:t> dintr-o bibliotecă de analiză de date, probabil din pachetul caret. Am specificat formula modelului (explicit ~ </a:t>
+            </a:r>
+            <a:r>
+              <a:rPr kumimoji="0" lang="ro-RO" altLang="ro-RO" sz="2800" i="0" u="none" strike="noStrike" cap="none" normalizeH="0" baseline="0" dirty="0" err="1">
+                <a:ln>
+                  <a:noFill/>
+                </a:ln>
+                <a:effectLst/>
+                <a:latin typeface="+mj-lt"/>
+              </a:rPr>
+              <a:t>popularity</a:t>
+            </a:r>
+            <a:r>
+              <a:rPr kumimoji="0" lang="ro-RO" altLang="ro-RO" sz="2800" i="0" u="none" strike="noStrike" cap="none" normalizeH="0" baseline="0" dirty="0">
+                <a:ln>
+                  <a:noFill/>
+                </a:ln>
+                <a:effectLst/>
+                <a:latin typeface="+mj-lt"/>
+              </a:rPr>
+              <a:t>), indicând că variabila explicită este explicată prin popularitate. Am ales metoda '</a:t>
+            </a:r>
+            <a:r>
+              <a:rPr kumimoji="0" lang="ro-RO" altLang="ro-RO" sz="2800" i="0" u="none" strike="noStrike" cap="none" normalizeH="0" baseline="0" dirty="0" err="1">
+                <a:ln>
+                  <a:noFill/>
+                </a:ln>
+                <a:effectLst/>
+                <a:latin typeface="+mj-lt"/>
+              </a:rPr>
+              <a:t>glm</a:t>
+            </a:r>
+            <a:r>
+              <a:rPr kumimoji="0" lang="ro-RO" altLang="ro-RO" sz="2800" i="0" u="none" strike="noStrike" cap="none" normalizeH="0" baseline="0" dirty="0">
+                <a:ln>
+                  <a:noFill/>
+                </a:ln>
+                <a:effectLst/>
+                <a:latin typeface="+mj-lt"/>
+              </a:rPr>
+              <a:t>' pentru a indica că utilizăm o regresie logistică, iar familia 'binomial' indică că variabila dependentă este binară (adică poate avea doar două categorii: explicit sau implicit).</a:t>
+            </a:r>
+            <a:r>
+              <a:rPr kumimoji="0" lang="ro-RO" altLang="ro-RO" sz="1400" i="0" u="none" strike="noStrike" cap="none" normalizeH="0" baseline="0" dirty="0">
+                <a:ln>
+                  <a:noFill/>
+                </a:ln>
+                <a:effectLst/>
+                <a:latin typeface="+mj-lt"/>
+              </a:rPr>
+              <a:t> </a:t>
+            </a:r>
+            <a:endParaRPr kumimoji="0" lang="ro-RO" altLang="ro-RO" sz="2800" i="0" u="none" strike="noStrike" cap="none" normalizeH="0" baseline="0" dirty="0">
+              <a:ln>
+                <a:noFill/>
+              </a:ln>
+              <a:effectLst/>
+              <a:latin typeface="+mj-lt"/>
+            </a:endParaRPr>
+          </a:p>
+          <a:p>
+            <a:endParaRPr lang="ro-RO" sz="2800" dirty="0"/>
+          </a:p>
+        </p:txBody>
+      </p:sp>
+    </p:spTree>
+    <p:extLst>
+      <p:ext uri="{BB962C8B-B14F-4D97-AF65-F5344CB8AC3E}">
+        <p14:creationId xmlns:p14="http://schemas.microsoft.com/office/powerpoint/2010/main" val="2647240846"/>
+      </p:ext>
+    </p:extLst>
+  </p:cSld>
+  <p:clrMapOvr>
+    <a:masterClrMapping/>
+  </p:clrMapOvr>
+</p:sld>
+</file>
+
+<file path=ppt/slides/slide16.xml><?xml version="1.0" encoding="utf-8"?>
 <p:sld xmlns:a="http://schemas.openxmlformats.org/drawingml/2006/main" xmlns:r="http://schemas.openxmlformats.org/officeDocument/2006/relationships" xmlns:p="http://schemas.openxmlformats.org/presentationml/2006/main">
   <p:cSld>
     <p:spTree>
@@ -5519,1067 +5517,6 @@
       </p:grpSpPr>
       <p:sp>
         <p:nvSpPr>
-          <p:cNvPr id="3" name="Titlu 1">
-            <a:extLst>
-              <a:ext uri="{FF2B5EF4-FFF2-40B4-BE49-F238E27FC236}">
-                <a16:creationId xmlns:a16="http://schemas.microsoft.com/office/drawing/2014/main" id="{BF479EF8-3E2A-44CF-A8F5-0CB60DE8F178}"/>
-              </a:ext>
-            </a:extLst>
-          </p:cNvPr>
-          <p:cNvSpPr txBox="1">
-            <a:spLocks/>
-          </p:cNvSpPr>
-          <p:nvPr/>
-        </p:nvSpPr>
-        <p:spPr>
-          <a:xfrm>
-            <a:off x="1524000" y="466725"/>
-            <a:ext cx="9144000" cy="1042988"/>
-          </a:xfrm>
-          <a:prstGeom prst="rect">
-            <a:avLst/>
-          </a:prstGeom>
-        </p:spPr>
-        <p:txBody>
-          <a:bodyPr vert="horz" lIns="91440" tIns="45720" rIns="91440" bIns="45720" rtlCol="0" anchor="b">
-            <a:noAutofit/>
-          </a:bodyPr>
-          <a:lstStyle>
-            <a:lvl1pPr algn="ctr" defTabSz="914400" rtl="0" eaLnBrk="1" latinLnBrk="0" hangingPunct="1">
-              <a:lnSpc>
-                <a:spcPct val="89000"/>
-              </a:lnSpc>
-              <a:spcBef>
-                <a:spcPct val="0"/>
-              </a:spcBef>
-              <a:buNone/>
-              <a:defRPr sz="7200" kern="1200" cap="all" baseline="0">
-                <a:solidFill>
-                  <a:schemeClr val="tx2"/>
-                </a:solidFill>
-                <a:latin typeface="+mj-lt"/>
-                <a:ea typeface="+mj-ea"/>
-                <a:cs typeface="+mj-cs"/>
-              </a:defRPr>
-            </a:lvl1pPr>
-          </a:lstStyle>
-          <a:p>
-            <a:r>
-              <a:rPr lang="ro-RO" dirty="0"/>
-              <a:t>Caracterizarea</a:t>
-            </a:r>
-          </a:p>
-        </p:txBody>
-      </p:sp>
-      <p:sp>
-        <p:nvSpPr>
-          <p:cNvPr id="6" name="Substituent conținut 2">
-            <a:extLst>
-              <a:ext uri="{FF2B5EF4-FFF2-40B4-BE49-F238E27FC236}">
-                <a16:creationId xmlns:a16="http://schemas.microsoft.com/office/drawing/2014/main" id="{28983C3E-5D26-471A-91A5-D20BD9A2CD7C}"/>
-              </a:ext>
-            </a:extLst>
-          </p:cNvPr>
-          <p:cNvSpPr txBox="1">
-            <a:spLocks/>
-          </p:cNvSpPr>
-          <p:nvPr/>
-        </p:nvSpPr>
-        <p:spPr>
-          <a:xfrm>
-            <a:off x="1524000" y="1876425"/>
-            <a:ext cx="9601200" cy="3581400"/>
-          </a:xfrm>
-          <a:prstGeom prst="rect">
-            <a:avLst/>
-          </a:prstGeom>
-        </p:spPr>
-        <p:txBody>
-          <a:bodyPr/>
-          <a:lstStyle>
-            <a:lvl1pPr marL="384048" indent="-384048" algn="l" defTabSz="914400" rtl="0" eaLnBrk="1" latinLnBrk="0" hangingPunct="1">
-              <a:lnSpc>
-                <a:spcPct val="94000"/>
-              </a:lnSpc>
-              <a:spcBef>
-                <a:spcPts val="1000"/>
-              </a:spcBef>
-              <a:spcAft>
-                <a:spcPts val="200"/>
-              </a:spcAft>
-              <a:buFont typeface="Franklin Gothic Book" panose="020B0503020102020204" pitchFamily="34" charset="0"/>
-              <a:buChar char="■"/>
-              <a:defRPr sz="2000" kern="1200" baseline="0">
-                <a:solidFill>
-                  <a:schemeClr val="tx2"/>
-                </a:solidFill>
-                <a:latin typeface="+mn-lt"/>
-                <a:ea typeface="+mn-ea"/>
-                <a:cs typeface="+mn-cs"/>
-              </a:defRPr>
-            </a:lvl1pPr>
-            <a:lvl2pPr marL="914400" indent="-384048" algn="l" defTabSz="914400" rtl="0" eaLnBrk="1" latinLnBrk="0" hangingPunct="1">
-              <a:lnSpc>
-                <a:spcPct val="94000"/>
-              </a:lnSpc>
-              <a:spcBef>
-                <a:spcPts val="500"/>
-              </a:spcBef>
-              <a:spcAft>
-                <a:spcPts val="200"/>
-              </a:spcAft>
-              <a:buFont typeface="Franklin Gothic Book" panose="020B0503020102020204" pitchFamily="34" charset="0"/>
-              <a:buChar char="–"/>
-              <a:defRPr sz="2000" i="1" kern="1200" baseline="0">
-                <a:solidFill>
-                  <a:schemeClr val="tx2"/>
-                </a:solidFill>
-                <a:latin typeface="+mn-lt"/>
-                <a:ea typeface="+mn-ea"/>
-                <a:cs typeface="+mn-cs"/>
-              </a:defRPr>
-            </a:lvl2pPr>
-            <a:lvl3pPr marL="1371600" indent="-384048" algn="l" defTabSz="914400" rtl="0" eaLnBrk="1" latinLnBrk="0" hangingPunct="1">
-              <a:lnSpc>
-                <a:spcPct val="94000"/>
-              </a:lnSpc>
-              <a:spcBef>
-                <a:spcPts val="500"/>
-              </a:spcBef>
-              <a:spcAft>
-                <a:spcPts val="200"/>
-              </a:spcAft>
-              <a:buFont typeface="Franklin Gothic Book" panose="020B0503020102020204" pitchFamily="34" charset="0"/>
-              <a:buChar char="■"/>
-              <a:defRPr sz="1800" kern="1200" baseline="0">
-                <a:solidFill>
-                  <a:schemeClr val="tx2"/>
-                </a:solidFill>
-                <a:latin typeface="+mn-lt"/>
-                <a:ea typeface="+mn-ea"/>
-                <a:cs typeface="+mn-cs"/>
-              </a:defRPr>
-            </a:lvl3pPr>
-            <a:lvl4pPr marL="1828800" indent="-384048" algn="l" defTabSz="914400" rtl="0" eaLnBrk="1" latinLnBrk="0" hangingPunct="1">
-              <a:lnSpc>
-                <a:spcPct val="94000"/>
-              </a:lnSpc>
-              <a:spcBef>
-                <a:spcPts val="500"/>
-              </a:spcBef>
-              <a:spcAft>
-                <a:spcPts val="200"/>
-              </a:spcAft>
-              <a:buFont typeface="Franklin Gothic Book" panose="020B0503020102020204" pitchFamily="34" charset="0"/>
-              <a:buChar char="–"/>
-              <a:defRPr sz="1800" i="1" kern="1200" baseline="0">
-                <a:solidFill>
-                  <a:schemeClr val="tx2"/>
-                </a:solidFill>
-                <a:latin typeface="+mn-lt"/>
-                <a:ea typeface="+mn-ea"/>
-                <a:cs typeface="+mn-cs"/>
-              </a:defRPr>
-            </a:lvl4pPr>
-            <a:lvl5pPr marL="2286000" indent="-384048" algn="l" defTabSz="914400" rtl="0" eaLnBrk="1" latinLnBrk="0" hangingPunct="1">
-              <a:lnSpc>
-                <a:spcPct val="94000"/>
-              </a:lnSpc>
-              <a:spcBef>
-                <a:spcPts val="500"/>
-              </a:spcBef>
-              <a:spcAft>
-                <a:spcPts val="200"/>
-              </a:spcAft>
-              <a:buFont typeface="Franklin Gothic Book" panose="020B0503020102020204" pitchFamily="34" charset="0"/>
-              <a:buChar char="■"/>
-              <a:defRPr sz="1600" kern="1200" baseline="0">
-                <a:solidFill>
-                  <a:schemeClr val="tx2"/>
-                </a:solidFill>
-                <a:latin typeface="+mn-lt"/>
-                <a:ea typeface="+mn-ea"/>
-                <a:cs typeface="+mn-cs"/>
-              </a:defRPr>
-            </a:lvl5pPr>
-            <a:lvl6pPr marL="2743200" indent="-384048" algn="l" defTabSz="914400" rtl="0" eaLnBrk="1" latinLnBrk="0" hangingPunct="1">
-              <a:lnSpc>
-                <a:spcPct val="94000"/>
-              </a:lnSpc>
-              <a:spcBef>
-                <a:spcPts val="500"/>
-              </a:spcBef>
-              <a:spcAft>
-                <a:spcPts val="200"/>
-              </a:spcAft>
-              <a:buFont typeface="Franklin Gothic Book" panose="020B0503020102020204" pitchFamily="34" charset="0"/>
-              <a:buChar char="–"/>
-              <a:defRPr sz="1600" i="1" kern="1200" baseline="0">
-                <a:solidFill>
-                  <a:schemeClr val="tx2"/>
-                </a:solidFill>
-                <a:latin typeface="+mn-lt"/>
-                <a:ea typeface="+mn-ea"/>
-                <a:cs typeface="+mn-cs"/>
-              </a:defRPr>
-            </a:lvl6pPr>
-            <a:lvl7pPr marL="3200400" indent="-384048" algn="l" defTabSz="914400" rtl="0" eaLnBrk="1" latinLnBrk="0" hangingPunct="1">
-              <a:lnSpc>
-                <a:spcPct val="94000"/>
-              </a:lnSpc>
-              <a:spcBef>
-                <a:spcPts val="500"/>
-              </a:spcBef>
-              <a:spcAft>
-                <a:spcPts val="200"/>
-              </a:spcAft>
-              <a:buFont typeface="Franklin Gothic Book" panose="020B0503020102020204" pitchFamily="34" charset="0"/>
-              <a:buChar char="■"/>
-              <a:defRPr sz="1400" kern="1200" baseline="0">
-                <a:solidFill>
-                  <a:schemeClr val="tx2"/>
-                </a:solidFill>
-                <a:latin typeface="+mn-lt"/>
-                <a:ea typeface="+mn-ea"/>
-                <a:cs typeface="+mn-cs"/>
-              </a:defRPr>
-            </a:lvl7pPr>
-            <a:lvl8pPr marL="3657600" indent="-384048" algn="l" defTabSz="914400" rtl="0" eaLnBrk="1" latinLnBrk="0" hangingPunct="1">
-              <a:lnSpc>
-                <a:spcPct val="94000"/>
-              </a:lnSpc>
-              <a:spcBef>
-                <a:spcPts val="500"/>
-              </a:spcBef>
-              <a:spcAft>
-                <a:spcPts val="200"/>
-              </a:spcAft>
-              <a:buFont typeface="Franklin Gothic Book" panose="020B0503020102020204" pitchFamily="34" charset="0"/>
-              <a:buChar char="–"/>
-              <a:defRPr sz="1400" i="1" kern="1200" baseline="0">
-                <a:solidFill>
-                  <a:schemeClr val="tx2"/>
-                </a:solidFill>
-                <a:latin typeface="+mn-lt"/>
-                <a:ea typeface="+mn-ea"/>
-                <a:cs typeface="+mn-cs"/>
-              </a:defRPr>
-            </a:lvl8pPr>
-            <a:lvl9pPr marL="4114800" indent="-384048" algn="l" defTabSz="914400" rtl="0" eaLnBrk="1" latinLnBrk="0" hangingPunct="1">
-              <a:lnSpc>
-                <a:spcPct val="94000"/>
-              </a:lnSpc>
-              <a:spcBef>
-                <a:spcPts val="500"/>
-              </a:spcBef>
-              <a:spcAft>
-                <a:spcPts val="200"/>
-              </a:spcAft>
-              <a:buFont typeface="Franklin Gothic Book" panose="020B0503020102020204" pitchFamily="34" charset="0"/>
-              <a:buChar char="■"/>
-              <a:defRPr sz="1400" kern="1200" baseline="0">
-                <a:solidFill>
-                  <a:schemeClr val="tx2"/>
-                </a:solidFill>
-                <a:latin typeface="+mn-lt"/>
-                <a:ea typeface="+mn-ea"/>
-                <a:cs typeface="+mn-cs"/>
-              </a:defRPr>
-            </a:lvl9pPr>
-          </a:lstStyle>
-          <a:p>
-            <a:pPr marL="0" indent="0">
-              <a:buFont typeface="Franklin Gothic Book" panose="020B0503020102020204" pitchFamily="34" charset="0"/>
-              <a:buNone/>
-            </a:pPr>
-            <a:r>
-              <a:rPr lang="en-US" sz="3200" dirty="0" err="1"/>
-              <a:t>Aceste</a:t>
-            </a:r>
-            <a:r>
-              <a:rPr lang="en-US" sz="3200" dirty="0"/>
-              <a:t> </a:t>
-            </a:r>
-            <a:r>
-              <a:rPr lang="en-US" sz="3200" dirty="0" err="1"/>
-              <a:t>caracteristici</a:t>
-            </a:r>
-            <a:r>
-              <a:rPr lang="en-US" sz="3200" dirty="0"/>
-              <a:t> pot fi </a:t>
-            </a:r>
-            <a:r>
-              <a:rPr lang="en-US" sz="3200" dirty="0" err="1"/>
-              <a:t>utilizate</a:t>
-            </a:r>
-            <a:r>
-              <a:rPr lang="en-US" sz="3200" dirty="0"/>
-              <a:t> </a:t>
-            </a:r>
-            <a:r>
-              <a:rPr lang="en-US" sz="3200" dirty="0" err="1"/>
-              <a:t>în</a:t>
-            </a:r>
-            <a:r>
-              <a:rPr lang="en-US" sz="3200" dirty="0"/>
-              <a:t> </a:t>
-            </a:r>
-            <a:r>
-              <a:rPr lang="en-US" sz="3200" dirty="0" err="1"/>
-              <a:t>analize</a:t>
-            </a:r>
-            <a:r>
-              <a:rPr lang="en-US" sz="3200" dirty="0"/>
-              <a:t> </a:t>
-            </a:r>
-            <a:r>
-              <a:rPr lang="en-US" sz="3200" dirty="0" err="1"/>
-              <a:t>și</a:t>
-            </a:r>
-            <a:r>
-              <a:rPr lang="en-US" sz="3200" dirty="0"/>
-              <a:t> </a:t>
-            </a:r>
-            <a:r>
-              <a:rPr lang="en-US" sz="3200" dirty="0" err="1"/>
-              <a:t>modele</a:t>
-            </a:r>
-            <a:r>
-              <a:rPr lang="en-US" sz="3200" dirty="0"/>
-              <a:t> de </a:t>
-            </a:r>
-            <a:r>
-              <a:rPr lang="en-US" sz="3200" dirty="0" err="1"/>
-              <a:t>predicție</a:t>
-            </a:r>
-            <a:r>
-              <a:rPr lang="en-US" sz="3200" dirty="0"/>
-              <a:t> </a:t>
-            </a:r>
-            <a:r>
-              <a:rPr lang="en-US" sz="3200" dirty="0" err="1"/>
-              <a:t>pentru</a:t>
-            </a:r>
-            <a:r>
-              <a:rPr lang="en-US" sz="3200" dirty="0"/>
-              <a:t> a </a:t>
-            </a:r>
-            <a:r>
-              <a:rPr lang="en-US" sz="3200" dirty="0" err="1"/>
-              <a:t>înțelege</a:t>
-            </a:r>
-            <a:r>
-              <a:rPr lang="en-US" sz="3200" dirty="0"/>
-              <a:t> </a:t>
-            </a:r>
-            <a:r>
-              <a:rPr lang="en-US" sz="3200" dirty="0" err="1"/>
-              <a:t>mai</a:t>
-            </a:r>
-            <a:r>
-              <a:rPr lang="en-US" sz="3200" dirty="0"/>
-              <a:t> bine </a:t>
-            </a:r>
-            <a:r>
-              <a:rPr lang="en-US" sz="3200" dirty="0" err="1"/>
-              <a:t>trăsăturile</a:t>
-            </a:r>
-            <a:r>
-              <a:rPr lang="en-US" sz="3200" dirty="0"/>
-              <a:t> </a:t>
-            </a:r>
-            <a:r>
-              <a:rPr lang="en-US" sz="3200" dirty="0" err="1"/>
-              <a:t>muzicale</a:t>
-            </a:r>
-            <a:r>
-              <a:rPr lang="en-US" sz="3200" dirty="0"/>
-              <a:t> </a:t>
-            </a:r>
-            <a:r>
-              <a:rPr lang="en-US" sz="3200" dirty="0" err="1"/>
-              <a:t>și</a:t>
-            </a:r>
-            <a:r>
-              <a:rPr lang="en-US" sz="3200" dirty="0"/>
-              <a:t> </a:t>
-            </a:r>
-            <a:r>
-              <a:rPr lang="en-US" sz="3200" dirty="0" err="1"/>
-              <a:t>pentru</a:t>
-            </a:r>
-            <a:r>
-              <a:rPr lang="en-US" sz="3200" dirty="0"/>
-              <a:t> a face </a:t>
-            </a:r>
-            <a:r>
-              <a:rPr lang="en-US" sz="3200" dirty="0" err="1"/>
-              <a:t>proiecții</a:t>
-            </a:r>
-            <a:r>
-              <a:rPr lang="en-US" sz="3200" dirty="0"/>
-              <a:t> legate de </a:t>
-            </a:r>
-            <a:r>
-              <a:rPr lang="en-US" sz="3200" dirty="0" err="1"/>
-              <a:t>popularitate</a:t>
-            </a:r>
-            <a:r>
-              <a:rPr lang="en-US" sz="3200" dirty="0"/>
-              <a:t>, gen </a:t>
-            </a:r>
-            <a:r>
-              <a:rPr lang="en-US" sz="3200" dirty="0" err="1"/>
-              <a:t>muzical</a:t>
-            </a:r>
-            <a:r>
-              <a:rPr lang="en-US" sz="3200" dirty="0"/>
-              <a:t>, </a:t>
-            </a:r>
-            <a:r>
-              <a:rPr lang="en-US" sz="3200" dirty="0" err="1"/>
-              <a:t>preferințe</a:t>
-            </a:r>
-            <a:r>
-              <a:rPr lang="en-US" sz="3200" dirty="0"/>
-              <a:t> ale </a:t>
-            </a:r>
-            <a:r>
-              <a:rPr lang="en-US" sz="3200" dirty="0" err="1"/>
-              <a:t>ascultătorilor</a:t>
-            </a:r>
-            <a:r>
-              <a:rPr lang="en-US" sz="3200" dirty="0"/>
-              <a:t> </a:t>
-            </a:r>
-            <a:r>
-              <a:rPr lang="en-US" sz="3200" dirty="0" err="1"/>
-              <a:t>sau</a:t>
-            </a:r>
-            <a:r>
-              <a:rPr lang="en-US" sz="3200" dirty="0"/>
-              <a:t> </a:t>
-            </a:r>
-            <a:r>
-              <a:rPr lang="en-US" sz="3200" dirty="0" err="1"/>
-              <a:t>alte</a:t>
-            </a:r>
-            <a:r>
-              <a:rPr lang="en-US" sz="3200" dirty="0"/>
-              <a:t> </a:t>
-            </a:r>
-            <a:r>
-              <a:rPr lang="en-US" sz="3200" dirty="0" err="1"/>
-              <a:t>aspecte</a:t>
-            </a:r>
-            <a:r>
-              <a:rPr lang="en-US" sz="3200" dirty="0"/>
-              <a:t> legate de </a:t>
-            </a:r>
-            <a:r>
-              <a:rPr lang="en-US" sz="3200" dirty="0" err="1"/>
-              <a:t>muzică</a:t>
-            </a:r>
-            <a:r>
-              <a:rPr lang="en-US" sz="3200" dirty="0"/>
-              <a:t>. De </a:t>
-            </a:r>
-            <a:r>
-              <a:rPr lang="en-US" sz="3200" dirty="0" err="1"/>
-              <a:t>exemplu</a:t>
-            </a:r>
-            <a:r>
-              <a:rPr lang="en-US" sz="3200" dirty="0"/>
-              <a:t>, </a:t>
-            </a:r>
-            <a:r>
-              <a:rPr lang="en-US" sz="3200" dirty="0" err="1"/>
-              <a:t>puteți</a:t>
-            </a:r>
-            <a:r>
-              <a:rPr lang="en-US" sz="3200" dirty="0"/>
-              <a:t> </a:t>
-            </a:r>
-            <a:r>
-              <a:rPr lang="en-US" sz="3200" dirty="0" err="1"/>
-              <a:t>dezvolta</a:t>
-            </a:r>
-            <a:r>
-              <a:rPr lang="en-US" sz="3200" dirty="0"/>
-              <a:t> </a:t>
-            </a:r>
-            <a:r>
-              <a:rPr lang="en-US" sz="3200" dirty="0" err="1"/>
-              <a:t>modele</a:t>
-            </a:r>
-            <a:r>
-              <a:rPr lang="en-US" sz="3200" dirty="0"/>
-              <a:t> de </a:t>
-            </a:r>
-            <a:r>
-              <a:rPr lang="en-US" sz="3200" dirty="0" err="1"/>
-              <a:t>clasificare</a:t>
-            </a:r>
-            <a:r>
-              <a:rPr lang="en-US" sz="3200" dirty="0"/>
-              <a:t> </a:t>
-            </a:r>
-            <a:r>
-              <a:rPr lang="en-US" sz="3200" dirty="0" err="1"/>
-              <a:t>sau</a:t>
-            </a:r>
-            <a:r>
-              <a:rPr lang="en-US" sz="3200" dirty="0"/>
-              <a:t> </a:t>
-            </a:r>
-            <a:r>
-              <a:rPr lang="en-US" sz="3200" dirty="0" err="1"/>
-              <a:t>regresie</a:t>
-            </a:r>
-            <a:r>
-              <a:rPr lang="en-US" sz="3200" dirty="0"/>
-              <a:t> </a:t>
-            </a:r>
-            <a:r>
-              <a:rPr lang="en-US" sz="3200" dirty="0" err="1"/>
-              <a:t>pentru</a:t>
-            </a:r>
-            <a:r>
-              <a:rPr lang="en-US" sz="3200" dirty="0"/>
-              <a:t> a </a:t>
-            </a:r>
-            <a:r>
-              <a:rPr lang="en-US" sz="3200" dirty="0" err="1"/>
-              <a:t>prezice</a:t>
-            </a:r>
-            <a:r>
-              <a:rPr lang="en-US" sz="3200" dirty="0"/>
-              <a:t> </a:t>
-            </a:r>
-            <a:r>
-              <a:rPr lang="en-US" sz="3200" dirty="0" err="1"/>
-              <a:t>genul</a:t>
-            </a:r>
-            <a:r>
-              <a:rPr lang="en-US" sz="3200" dirty="0"/>
-              <a:t> </a:t>
-            </a:r>
-            <a:r>
-              <a:rPr lang="en-US" sz="3200" dirty="0" err="1"/>
-              <a:t>muzical</a:t>
-            </a:r>
-            <a:r>
-              <a:rPr lang="en-US" sz="3200" dirty="0"/>
-              <a:t> al </a:t>
-            </a:r>
-            <a:r>
-              <a:rPr lang="en-US" sz="3200" dirty="0" err="1"/>
-              <a:t>unei</a:t>
-            </a:r>
-            <a:r>
-              <a:rPr lang="en-US" sz="3200" dirty="0"/>
-              <a:t> </a:t>
-            </a:r>
-            <a:r>
-              <a:rPr lang="en-US" sz="3200" dirty="0" err="1"/>
-              <a:t>piese</a:t>
-            </a:r>
-            <a:r>
-              <a:rPr lang="en-US" sz="3200" dirty="0"/>
-              <a:t>, </a:t>
-            </a:r>
-            <a:r>
-              <a:rPr lang="en-US" sz="3200" dirty="0" err="1"/>
-              <a:t>popularitatea</a:t>
-            </a:r>
-            <a:r>
-              <a:rPr lang="en-US" sz="3200" dirty="0"/>
-              <a:t> </a:t>
-            </a:r>
-            <a:r>
-              <a:rPr lang="en-US" sz="3200" dirty="0" err="1"/>
-              <a:t>ei</a:t>
-            </a:r>
-            <a:r>
-              <a:rPr lang="en-US" sz="3200" dirty="0"/>
-              <a:t> </a:t>
-            </a:r>
-            <a:r>
-              <a:rPr lang="en-US" sz="3200" dirty="0" err="1"/>
-              <a:t>sau</a:t>
-            </a:r>
-            <a:r>
-              <a:rPr lang="en-US" sz="3200" dirty="0"/>
-              <a:t> </a:t>
-            </a:r>
-            <a:r>
-              <a:rPr lang="en-US" sz="3200" dirty="0" err="1"/>
-              <a:t>pentru</a:t>
-            </a:r>
-            <a:r>
-              <a:rPr lang="en-US" sz="3200" dirty="0"/>
-              <a:t> a </a:t>
-            </a:r>
-            <a:r>
-              <a:rPr lang="en-US" sz="3200" dirty="0" err="1"/>
-              <a:t>determina</a:t>
-            </a:r>
-            <a:r>
-              <a:rPr lang="en-US" sz="3200" dirty="0"/>
-              <a:t> cum </a:t>
-            </a:r>
-            <a:r>
-              <a:rPr lang="en-US" sz="3200" dirty="0" err="1"/>
-              <a:t>caracteristicile</a:t>
-            </a:r>
-            <a:r>
-              <a:rPr lang="en-US" sz="3200" dirty="0"/>
-              <a:t> </a:t>
-            </a:r>
-            <a:r>
-              <a:rPr lang="en-US" sz="3200" dirty="0" err="1"/>
-              <a:t>ritmice</a:t>
-            </a:r>
-            <a:r>
-              <a:rPr lang="en-US" sz="3200" dirty="0"/>
-              <a:t> </a:t>
-            </a:r>
-            <a:r>
-              <a:rPr lang="en-US" sz="3200" dirty="0" err="1"/>
-              <a:t>influențează</a:t>
-            </a:r>
-            <a:r>
-              <a:rPr lang="en-US" sz="3200" dirty="0"/>
-              <a:t> </a:t>
-            </a:r>
-            <a:r>
-              <a:rPr lang="en-US" sz="3200" dirty="0" err="1"/>
-              <a:t>dansabilitatea</a:t>
-            </a:r>
-            <a:r>
-              <a:rPr lang="en-US" sz="3200" dirty="0"/>
-              <a:t>.</a:t>
-            </a:r>
-            <a:endParaRPr lang="ro-RO" sz="3200" dirty="0"/>
-          </a:p>
-        </p:txBody>
-      </p:sp>
-    </p:spTree>
-    <p:extLst>
-      <p:ext uri="{BB962C8B-B14F-4D97-AF65-F5344CB8AC3E}">
-        <p14:creationId xmlns:p14="http://schemas.microsoft.com/office/powerpoint/2010/main" val="1667682693"/>
-      </p:ext>
-    </p:extLst>
-  </p:cSld>
-  <p:clrMapOvr>
-    <a:masterClrMapping/>
-  </p:clrMapOvr>
-  <mc:AlternateContent xmlns:mc="http://schemas.openxmlformats.org/markup-compatibility/2006" xmlns:p159="http://schemas.microsoft.com/office/powerpoint/2015/09/main">
-    <mc:Choice Requires="p159">
-      <p:transition xmlns:p14="http://schemas.microsoft.com/office/powerpoint/2010/main" spd="slow" p14:dur="2000">
-        <p159:morph option="byObject"/>
-      </p:transition>
-    </mc:Choice>
-    <mc:Fallback xmlns="">
-      <p:transition spd="slow">
-        <p:fade/>
-      </p:transition>
-    </mc:Fallback>
-  </mc:AlternateContent>
-</p:sld>
-</file>
-
-<file path=ppt/slides/slide5.xml><?xml version="1.0" encoding="utf-8"?>
-<p:sld xmlns:a="http://schemas.openxmlformats.org/drawingml/2006/main" xmlns:r="http://schemas.openxmlformats.org/officeDocument/2006/relationships" xmlns:p="http://schemas.openxmlformats.org/presentationml/2006/main">
-  <p:cSld>
-    <p:spTree>
-      <p:nvGrpSpPr>
-        <p:cNvPr id="1" name=""/>
-        <p:cNvGrpSpPr/>
-        <p:nvPr/>
-      </p:nvGrpSpPr>
-      <p:grpSpPr>
-        <a:xfrm>
-          <a:off x="0" y="0"/>
-          <a:ext cx="0" cy="0"/>
-          <a:chOff x="0" y="0"/>
-          <a:chExt cx="0" cy="0"/>
-        </a:xfrm>
-      </p:grpSpPr>
-      <p:sp>
-        <p:nvSpPr>
-          <p:cNvPr id="3" name="Titlu 1">
-            <a:extLst>
-              <a:ext uri="{FF2B5EF4-FFF2-40B4-BE49-F238E27FC236}">
-                <a16:creationId xmlns:a16="http://schemas.microsoft.com/office/drawing/2014/main" id="{BF479EF8-3E2A-44CF-A8F5-0CB60DE8F178}"/>
-              </a:ext>
-            </a:extLst>
-          </p:cNvPr>
-          <p:cNvSpPr txBox="1">
-            <a:spLocks/>
-          </p:cNvSpPr>
-          <p:nvPr/>
-        </p:nvSpPr>
-        <p:spPr>
-          <a:xfrm>
-            <a:off x="1524000" y="466725"/>
-            <a:ext cx="9144000" cy="1042988"/>
-          </a:xfrm>
-          <a:prstGeom prst="rect">
-            <a:avLst/>
-          </a:prstGeom>
-        </p:spPr>
-        <p:txBody>
-          <a:bodyPr vert="horz" lIns="91440" tIns="45720" rIns="91440" bIns="45720" rtlCol="0" anchor="b">
-            <a:noAutofit/>
-          </a:bodyPr>
-          <a:lstStyle>
-            <a:lvl1pPr algn="ctr" defTabSz="914400" rtl="0" eaLnBrk="1" latinLnBrk="0" hangingPunct="1">
-              <a:lnSpc>
-                <a:spcPct val="89000"/>
-              </a:lnSpc>
-              <a:spcBef>
-                <a:spcPct val="0"/>
-              </a:spcBef>
-              <a:buNone/>
-              <a:defRPr sz="7200" kern="1200" cap="all" baseline="0">
-                <a:solidFill>
-                  <a:schemeClr val="tx2"/>
-                </a:solidFill>
-                <a:latin typeface="+mj-lt"/>
-                <a:ea typeface="+mj-ea"/>
-                <a:cs typeface="+mj-cs"/>
-              </a:defRPr>
-            </a:lvl1pPr>
-          </a:lstStyle>
-          <a:p>
-            <a:r>
-              <a:rPr lang="ro-RO" dirty="0" err="1"/>
-              <a:t>Continutul</a:t>
-            </a:r>
-            <a:endParaRPr lang="ro-RO" dirty="0"/>
-          </a:p>
-        </p:txBody>
-      </p:sp>
-      <p:sp>
-        <p:nvSpPr>
-          <p:cNvPr id="6" name="Substituent conținut 2">
-            <a:extLst>
-              <a:ext uri="{FF2B5EF4-FFF2-40B4-BE49-F238E27FC236}">
-                <a16:creationId xmlns:a16="http://schemas.microsoft.com/office/drawing/2014/main" id="{28983C3E-5D26-471A-91A5-D20BD9A2CD7C}"/>
-              </a:ext>
-            </a:extLst>
-          </p:cNvPr>
-          <p:cNvSpPr txBox="1">
-            <a:spLocks/>
-          </p:cNvSpPr>
-          <p:nvPr/>
-        </p:nvSpPr>
-        <p:spPr>
-          <a:xfrm>
-            <a:off x="1524000" y="1876425"/>
-            <a:ext cx="9601200" cy="3581400"/>
-          </a:xfrm>
-          <a:prstGeom prst="rect">
-            <a:avLst/>
-          </a:prstGeom>
-        </p:spPr>
-        <p:txBody>
-          <a:bodyPr/>
-          <a:lstStyle>
-            <a:lvl1pPr marL="384048" indent="-384048" algn="l" defTabSz="914400" rtl="0" eaLnBrk="1" latinLnBrk="0" hangingPunct="1">
-              <a:lnSpc>
-                <a:spcPct val="94000"/>
-              </a:lnSpc>
-              <a:spcBef>
-                <a:spcPts val="1000"/>
-              </a:spcBef>
-              <a:spcAft>
-                <a:spcPts val="200"/>
-              </a:spcAft>
-              <a:buFont typeface="Franklin Gothic Book" panose="020B0503020102020204" pitchFamily="34" charset="0"/>
-              <a:buChar char="■"/>
-              <a:defRPr sz="2000" kern="1200" baseline="0">
-                <a:solidFill>
-                  <a:schemeClr val="tx2"/>
-                </a:solidFill>
-                <a:latin typeface="+mn-lt"/>
-                <a:ea typeface="+mn-ea"/>
-                <a:cs typeface="+mn-cs"/>
-              </a:defRPr>
-            </a:lvl1pPr>
-            <a:lvl2pPr marL="914400" indent="-384048" algn="l" defTabSz="914400" rtl="0" eaLnBrk="1" latinLnBrk="0" hangingPunct="1">
-              <a:lnSpc>
-                <a:spcPct val="94000"/>
-              </a:lnSpc>
-              <a:spcBef>
-                <a:spcPts val="500"/>
-              </a:spcBef>
-              <a:spcAft>
-                <a:spcPts val="200"/>
-              </a:spcAft>
-              <a:buFont typeface="Franklin Gothic Book" panose="020B0503020102020204" pitchFamily="34" charset="0"/>
-              <a:buChar char="–"/>
-              <a:defRPr sz="2000" i="1" kern="1200" baseline="0">
-                <a:solidFill>
-                  <a:schemeClr val="tx2"/>
-                </a:solidFill>
-                <a:latin typeface="+mn-lt"/>
-                <a:ea typeface="+mn-ea"/>
-                <a:cs typeface="+mn-cs"/>
-              </a:defRPr>
-            </a:lvl2pPr>
-            <a:lvl3pPr marL="1371600" indent="-384048" algn="l" defTabSz="914400" rtl="0" eaLnBrk="1" latinLnBrk="0" hangingPunct="1">
-              <a:lnSpc>
-                <a:spcPct val="94000"/>
-              </a:lnSpc>
-              <a:spcBef>
-                <a:spcPts val="500"/>
-              </a:spcBef>
-              <a:spcAft>
-                <a:spcPts val="200"/>
-              </a:spcAft>
-              <a:buFont typeface="Franklin Gothic Book" panose="020B0503020102020204" pitchFamily="34" charset="0"/>
-              <a:buChar char="■"/>
-              <a:defRPr sz="1800" kern="1200" baseline="0">
-                <a:solidFill>
-                  <a:schemeClr val="tx2"/>
-                </a:solidFill>
-                <a:latin typeface="+mn-lt"/>
-                <a:ea typeface="+mn-ea"/>
-                <a:cs typeface="+mn-cs"/>
-              </a:defRPr>
-            </a:lvl3pPr>
-            <a:lvl4pPr marL="1828800" indent="-384048" algn="l" defTabSz="914400" rtl="0" eaLnBrk="1" latinLnBrk="0" hangingPunct="1">
-              <a:lnSpc>
-                <a:spcPct val="94000"/>
-              </a:lnSpc>
-              <a:spcBef>
-                <a:spcPts val="500"/>
-              </a:spcBef>
-              <a:spcAft>
-                <a:spcPts val="200"/>
-              </a:spcAft>
-              <a:buFont typeface="Franklin Gothic Book" panose="020B0503020102020204" pitchFamily="34" charset="0"/>
-              <a:buChar char="–"/>
-              <a:defRPr sz="1800" i="1" kern="1200" baseline="0">
-                <a:solidFill>
-                  <a:schemeClr val="tx2"/>
-                </a:solidFill>
-                <a:latin typeface="+mn-lt"/>
-                <a:ea typeface="+mn-ea"/>
-                <a:cs typeface="+mn-cs"/>
-              </a:defRPr>
-            </a:lvl4pPr>
-            <a:lvl5pPr marL="2286000" indent="-384048" algn="l" defTabSz="914400" rtl="0" eaLnBrk="1" latinLnBrk="0" hangingPunct="1">
-              <a:lnSpc>
-                <a:spcPct val="94000"/>
-              </a:lnSpc>
-              <a:spcBef>
-                <a:spcPts val="500"/>
-              </a:spcBef>
-              <a:spcAft>
-                <a:spcPts val="200"/>
-              </a:spcAft>
-              <a:buFont typeface="Franklin Gothic Book" panose="020B0503020102020204" pitchFamily="34" charset="0"/>
-              <a:buChar char="■"/>
-              <a:defRPr sz="1600" kern="1200" baseline="0">
-                <a:solidFill>
-                  <a:schemeClr val="tx2"/>
-                </a:solidFill>
-                <a:latin typeface="+mn-lt"/>
-                <a:ea typeface="+mn-ea"/>
-                <a:cs typeface="+mn-cs"/>
-              </a:defRPr>
-            </a:lvl5pPr>
-            <a:lvl6pPr marL="2743200" indent="-384048" algn="l" defTabSz="914400" rtl="0" eaLnBrk="1" latinLnBrk="0" hangingPunct="1">
-              <a:lnSpc>
-                <a:spcPct val="94000"/>
-              </a:lnSpc>
-              <a:spcBef>
-                <a:spcPts val="500"/>
-              </a:spcBef>
-              <a:spcAft>
-                <a:spcPts val="200"/>
-              </a:spcAft>
-              <a:buFont typeface="Franklin Gothic Book" panose="020B0503020102020204" pitchFamily="34" charset="0"/>
-              <a:buChar char="–"/>
-              <a:defRPr sz="1600" i="1" kern="1200" baseline="0">
-                <a:solidFill>
-                  <a:schemeClr val="tx2"/>
-                </a:solidFill>
-                <a:latin typeface="+mn-lt"/>
-                <a:ea typeface="+mn-ea"/>
-                <a:cs typeface="+mn-cs"/>
-              </a:defRPr>
-            </a:lvl6pPr>
-            <a:lvl7pPr marL="3200400" indent="-384048" algn="l" defTabSz="914400" rtl="0" eaLnBrk="1" latinLnBrk="0" hangingPunct="1">
-              <a:lnSpc>
-                <a:spcPct val="94000"/>
-              </a:lnSpc>
-              <a:spcBef>
-                <a:spcPts val="500"/>
-              </a:spcBef>
-              <a:spcAft>
-                <a:spcPts val="200"/>
-              </a:spcAft>
-              <a:buFont typeface="Franklin Gothic Book" panose="020B0503020102020204" pitchFamily="34" charset="0"/>
-              <a:buChar char="■"/>
-              <a:defRPr sz="1400" kern="1200" baseline="0">
-                <a:solidFill>
-                  <a:schemeClr val="tx2"/>
-                </a:solidFill>
-                <a:latin typeface="+mn-lt"/>
-                <a:ea typeface="+mn-ea"/>
-                <a:cs typeface="+mn-cs"/>
-              </a:defRPr>
-            </a:lvl7pPr>
-            <a:lvl8pPr marL="3657600" indent="-384048" algn="l" defTabSz="914400" rtl="0" eaLnBrk="1" latinLnBrk="0" hangingPunct="1">
-              <a:lnSpc>
-                <a:spcPct val="94000"/>
-              </a:lnSpc>
-              <a:spcBef>
-                <a:spcPts val="500"/>
-              </a:spcBef>
-              <a:spcAft>
-                <a:spcPts val="200"/>
-              </a:spcAft>
-              <a:buFont typeface="Franklin Gothic Book" panose="020B0503020102020204" pitchFamily="34" charset="0"/>
-              <a:buChar char="–"/>
-              <a:defRPr sz="1400" i="1" kern="1200" baseline="0">
-                <a:solidFill>
-                  <a:schemeClr val="tx2"/>
-                </a:solidFill>
-                <a:latin typeface="+mn-lt"/>
-                <a:ea typeface="+mn-ea"/>
-                <a:cs typeface="+mn-cs"/>
-              </a:defRPr>
-            </a:lvl8pPr>
-            <a:lvl9pPr marL="4114800" indent="-384048" algn="l" defTabSz="914400" rtl="0" eaLnBrk="1" latinLnBrk="0" hangingPunct="1">
-              <a:lnSpc>
-                <a:spcPct val="94000"/>
-              </a:lnSpc>
-              <a:spcBef>
-                <a:spcPts val="500"/>
-              </a:spcBef>
-              <a:spcAft>
-                <a:spcPts val="200"/>
-              </a:spcAft>
-              <a:buFont typeface="Franklin Gothic Book" panose="020B0503020102020204" pitchFamily="34" charset="0"/>
-              <a:buChar char="■"/>
-              <a:defRPr sz="1400" kern="1200" baseline="0">
-                <a:solidFill>
-                  <a:schemeClr val="tx2"/>
-                </a:solidFill>
-                <a:latin typeface="+mn-lt"/>
-                <a:ea typeface="+mn-ea"/>
-                <a:cs typeface="+mn-cs"/>
-              </a:defRPr>
-            </a:lvl9pPr>
-          </a:lstStyle>
-          <a:p>
-            <a:pPr marL="0" indent="0">
-              <a:buNone/>
-            </a:pPr>
-            <a:r>
-              <a:rPr lang="ro-RO" sz="3200" dirty="0"/>
-              <a:t>Setul de date are:</a:t>
-            </a:r>
-          </a:p>
-          <a:p>
-            <a:pPr marL="0" indent="0">
-              <a:buNone/>
-            </a:pPr>
-            <a:r>
-              <a:rPr lang="ro-RO" sz="3200" dirty="0"/>
-              <a:t>114,000 de rânduri</a:t>
-            </a:r>
-          </a:p>
-          <a:p>
-            <a:pPr marL="0" indent="0">
-              <a:buNone/>
-            </a:pPr>
-            <a:r>
-              <a:rPr lang="ro-RO" sz="3200" dirty="0"/>
-              <a:t>22 de coloane</a:t>
-            </a:r>
-          </a:p>
-          <a:p>
-            <a:pPr marL="0" indent="0">
-              <a:buNone/>
-            </a:pPr>
-            <a:r>
-              <a:rPr lang="ro-RO" sz="3200" dirty="0"/>
-              <a:t>Și sunt prezente </a:t>
-            </a:r>
-            <a:r>
-              <a:rPr lang="ro-RO" sz="3200" dirty="0" err="1"/>
-              <a:t>chr</a:t>
-            </a:r>
-            <a:r>
-              <a:rPr lang="ro-RO" sz="3200" dirty="0"/>
-              <a:t>, </a:t>
-            </a:r>
-            <a:r>
-              <a:rPr lang="ro-RO" sz="3200" dirty="0" err="1"/>
-              <a:t>int</a:t>
-            </a:r>
-            <a:r>
-              <a:rPr lang="ro-RO" sz="3200" dirty="0"/>
-              <a:t> și </a:t>
-            </a:r>
-            <a:r>
-              <a:rPr lang="ro-RO" sz="3200" dirty="0" err="1"/>
-              <a:t>dbl</a:t>
-            </a:r>
-            <a:endParaRPr lang="ro-RO" sz="3200" dirty="0"/>
-          </a:p>
-        </p:txBody>
-      </p:sp>
-    </p:spTree>
-    <p:extLst>
-      <p:ext uri="{BB962C8B-B14F-4D97-AF65-F5344CB8AC3E}">
-        <p14:creationId xmlns:p14="http://schemas.microsoft.com/office/powerpoint/2010/main" val="2857956932"/>
-      </p:ext>
-    </p:extLst>
-  </p:cSld>
-  <p:clrMapOvr>
-    <a:masterClrMapping/>
-  </p:clrMapOvr>
-  <mc:AlternateContent xmlns:mc="http://schemas.openxmlformats.org/markup-compatibility/2006" xmlns:p159="http://schemas.microsoft.com/office/powerpoint/2015/09/main">
-    <mc:Choice Requires="p159">
-      <p:transition xmlns:p14="http://schemas.microsoft.com/office/powerpoint/2010/main" spd="slow" p14:dur="2000">
-        <p159:morph option="byObject"/>
-      </p:transition>
-    </mc:Choice>
-    <mc:Fallback xmlns="">
-      <p:transition spd="slow">
-        <p:fade/>
-      </p:transition>
-    </mc:Fallback>
-  </mc:AlternateContent>
-</p:sld>
-</file>
-
-<file path=ppt/slides/slide6.xml><?xml version="1.0" encoding="utf-8"?>
-<p:sld xmlns:a="http://schemas.openxmlformats.org/drawingml/2006/main" xmlns:r="http://schemas.openxmlformats.org/officeDocument/2006/relationships" xmlns:p="http://schemas.openxmlformats.org/presentationml/2006/main">
-  <p:cSld>
-    <p:spTree>
-      <p:nvGrpSpPr>
-        <p:cNvPr id="1" name=""/>
-        <p:cNvGrpSpPr/>
-        <p:nvPr/>
-      </p:nvGrpSpPr>
-      <p:grpSpPr>
-        <a:xfrm>
-          <a:off x="0" y="0"/>
-          <a:ext cx="0" cy="0"/>
-          <a:chOff x="0" y="0"/>
-          <a:chExt cx="0" cy="0"/>
-        </a:xfrm>
-      </p:grpSpPr>
-      <p:sp>
-        <p:nvSpPr>
           <p:cNvPr id="2" name="Titlu 1">
             <a:extLst>
               <a:ext uri="{FF2B5EF4-FFF2-40B4-BE49-F238E27FC236}">
@@ -6625,8 +5562,8 @@
         </p:nvSpPr>
         <p:spPr bwMode="auto">
           <a:xfrm>
-            <a:off x="1609725" y="2727724"/>
-            <a:ext cx="10115550" cy="1636353"/>
+            <a:off x="1609725" y="3004722"/>
+            <a:ext cx="10115550" cy="1082356"/>
           </a:xfrm>
           <a:prstGeom prst="rect">
             <a:avLst/>
@@ -6691,7 +5628,7 @@
                 <a:effectLst/>
                 <a:latin typeface="inherit"/>
               </a:rPr>
-              <a:t>Construirea unui sistem de recomandare bazat pe anumite intrări sau preferințe ale utilizatorului </a:t>
+              <a:t>Dependența popularității de explicitate</a:t>
             </a:r>
           </a:p>
           <a:p>
@@ -6707,17 +5644,13 @@
               </a:spcAft>
             </a:pPr>
             <a:r>
-              <a:rPr kumimoji="0" lang="ro-RO" altLang="ro-RO" sz="3600" b="0" i="0" u="none" strike="noStrike" cap="none" normalizeH="0" baseline="0" dirty="0">
-                <a:ln>
-                  <a:noFill/>
-                </a:ln>
+              <a:rPr lang="ro-RO" altLang="ro-RO" sz="3600" dirty="0">
                 <a:solidFill>
                   <a:srgbClr val="E8EAED"/>
                 </a:solidFill>
-                <a:effectLst/>
                 <a:latin typeface="inherit"/>
               </a:rPr>
-              <a:t>Prezicerea popularității următorului cântec</a:t>
+              <a:t>Popularitatea piesei după durată</a:t>
             </a:r>
             <a:endParaRPr kumimoji="0" lang="ro-RO" altLang="ro-RO" sz="3200" b="0" i="0" u="none" strike="noStrike" cap="none" normalizeH="0" baseline="0" dirty="0">
               <a:ln>
@@ -6745,7 +5678,7 @@
 </p:sld>
 </file>
 
-<file path=ppt/slides/slide7.xml><?xml version="1.0" encoding="utf-8"?>
+<file path=ppt/slides/slide5.xml><?xml version="1.0" encoding="utf-8"?>
 <p:sld xmlns:a="http://schemas.openxmlformats.org/drawingml/2006/main" xmlns:r="http://schemas.openxmlformats.org/officeDocument/2006/relationships" xmlns:p="http://schemas.openxmlformats.org/presentationml/2006/main">
   <p:cSld>
     <p:spTree>
@@ -6860,7 +5793,7 @@
 </p:sld>
 </file>
 
-<file path=ppt/slides/slide8.xml><?xml version="1.0" encoding="utf-8"?>
+<file path=ppt/slides/slide6.xml><?xml version="1.0" encoding="utf-8"?>
 <p:sld xmlns:a="http://schemas.openxmlformats.org/drawingml/2006/main" xmlns:r="http://schemas.openxmlformats.org/officeDocument/2006/relationships" xmlns:p="http://schemas.openxmlformats.org/presentationml/2006/main">
   <p:cSld>
     <p:spTree>
@@ -6932,7 +5865,7 @@
 </p:sld>
 </file>
 
-<file path=ppt/slides/slide9.xml><?xml version="1.0" encoding="utf-8"?>
+<file path=ppt/slides/slide7.xml><?xml version="1.0" encoding="utf-8"?>
 <p:sld xmlns:a="http://schemas.openxmlformats.org/drawingml/2006/main" xmlns:r="http://schemas.openxmlformats.org/officeDocument/2006/relationships" xmlns:p="http://schemas.openxmlformats.org/presentationml/2006/main">
   <p:cSld>
     <p:spTree>
@@ -6983,6 +5916,170 @@
     <p:extLst>
       <p:ext uri="{BB962C8B-B14F-4D97-AF65-F5344CB8AC3E}">
         <p14:creationId xmlns:p14="http://schemas.microsoft.com/office/powerpoint/2010/main" val="343726384"/>
+      </p:ext>
+    </p:extLst>
+  </p:cSld>
+  <p:clrMapOvr>
+    <a:masterClrMapping/>
+  </p:clrMapOvr>
+</p:sld>
+</file>
+
+<file path=ppt/slides/slide8.xml><?xml version="1.0" encoding="utf-8"?>
+<p:sld xmlns:a="http://schemas.openxmlformats.org/drawingml/2006/main" xmlns:r="http://schemas.openxmlformats.org/officeDocument/2006/relationships" xmlns:p="http://schemas.openxmlformats.org/presentationml/2006/main">
+  <p:cSld>
+    <p:spTree>
+      <p:nvGrpSpPr>
+        <p:cNvPr id="1" name=""/>
+        <p:cNvGrpSpPr/>
+        <p:nvPr/>
+      </p:nvGrpSpPr>
+      <p:grpSpPr>
+        <a:xfrm>
+          <a:off x="0" y="0"/>
+          <a:ext cx="0" cy="0"/>
+          <a:chOff x="0" y="0"/>
+          <a:chExt cx="0" cy="0"/>
+        </a:xfrm>
+      </p:grpSpPr>
+      <p:sp>
+        <p:nvSpPr>
+          <p:cNvPr id="9" name="Titlu 1">
+            <a:extLst>
+              <a:ext uri="{FF2B5EF4-FFF2-40B4-BE49-F238E27FC236}">
+                <a16:creationId xmlns:a16="http://schemas.microsoft.com/office/drawing/2014/main" id="{EBDC036E-D411-48E6-ACAE-6B15C3C03E68}"/>
+              </a:ext>
+            </a:extLst>
+          </p:cNvPr>
+          <p:cNvSpPr>
+            <a:spLocks noGrp="1"/>
+          </p:cNvSpPr>
+          <p:nvPr>
+            <p:ph type="title"/>
+          </p:nvPr>
+        </p:nvSpPr>
+        <p:spPr>
+          <a:xfrm>
+            <a:off x="1295400" y="2362200"/>
+            <a:ext cx="9601200" cy="1485900"/>
+          </a:xfrm>
+        </p:spPr>
+        <p:txBody>
+          <a:bodyPr/>
+          <a:lstStyle/>
+          <a:p>
+            <a:pPr algn="ctr"/>
+            <a:r>
+              <a:rPr lang="en-US" dirty="0" err="1"/>
+              <a:t>Tempoul</a:t>
+            </a:r>
+            <a:r>
+              <a:rPr lang="en-US" dirty="0"/>
+              <a:t> </a:t>
+            </a:r>
+            <a:r>
+              <a:rPr lang="en-US" dirty="0" err="1"/>
+              <a:t>cel</a:t>
+            </a:r>
+            <a:r>
+              <a:rPr lang="en-US" dirty="0"/>
+              <a:t> </a:t>
+            </a:r>
+            <a:r>
+              <a:rPr lang="en-US" dirty="0" err="1"/>
+              <a:t>mai</a:t>
+            </a:r>
+            <a:r>
+              <a:rPr lang="en-US" dirty="0"/>
+              <a:t> des </a:t>
+            </a:r>
+            <a:r>
+              <a:rPr lang="en-US" dirty="0" err="1"/>
+              <a:t>folosit</a:t>
+            </a:r>
+            <a:r>
+              <a:rPr lang="en-US" dirty="0"/>
+              <a:t> </a:t>
+            </a:r>
+            <a:r>
+              <a:rPr lang="en-US" dirty="0" err="1"/>
+              <a:t>dupa</a:t>
+            </a:r>
+            <a:r>
+              <a:rPr lang="en-US" dirty="0"/>
+              <a:t> </a:t>
+            </a:r>
+            <a:r>
+              <a:rPr lang="ro-RO" dirty="0"/>
+              <a:t>genuri de muzica</a:t>
+            </a:r>
+          </a:p>
+        </p:txBody>
+      </p:sp>
+    </p:spTree>
+    <p:extLst>
+      <p:ext uri="{BB962C8B-B14F-4D97-AF65-F5344CB8AC3E}">
+        <p14:creationId xmlns:p14="http://schemas.microsoft.com/office/powerpoint/2010/main" val="1473049237"/>
+      </p:ext>
+    </p:extLst>
+  </p:cSld>
+  <p:clrMapOvr>
+    <a:masterClrMapping/>
+  </p:clrMapOvr>
+</p:sld>
+</file>
+
+<file path=ppt/slides/slide9.xml><?xml version="1.0" encoding="utf-8"?>
+<p:sld xmlns:a="http://schemas.openxmlformats.org/drawingml/2006/main" xmlns:r="http://schemas.openxmlformats.org/officeDocument/2006/relationships" xmlns:p="http://schemas.openxmlformats.org/presentationml/2006/main">
+  <p:cSld>
+    <p:spTree>
+      <p:nvGrpSpPr>
+        <p:cNvPr id="1" name=""/>
+        <p:cNvGrpSpPr/>
+        <p:nvPr/>
+      </p:nvGrpSpPr>
+      <p:grpSpPr>
+        <a:xfrm>
+          <a:off x="0" y="0"/>
+          <a:ext cx="0" cy="0"/>
+          <a:chOff x="0" y="0"/>
+          <a:chExt cx="0" cy="0"/>
+        </a:xfrm>
+      </p:grpSpPr>
+      <p:pic>
+        <p:nvPicPr>
+          <p:cNvPr id="10" name="Imagine 9">
+            <a:extLst>
+              <a:ext uri="{FF2B5EF4-FFF2-40B4-BE49-F238E27FC236}">
+                <a16:creationId xmlns:a16="http://schemas.microsoft.com/office/drawing/2014/main" id="{D6F42E8F-661F-416A-ABEC-BF23C8DA1CDB}"/>
+              </a:ext>
+            </a:extLst>
+          </p:cNvPr>
+          <p:cNvPicPr>
+            <a:picLocks noChangeAspect="1"/>
+          </p:cNvPicPr>
+          <p:nvPr/>
+        </p:nvPicPr>
+        <p:blipFill>
+          <a:blip r:embed="rId2"/>
+          <a:stretch>
+            <a:fillRect/>
+          </a:stretch>
+        </p:blipFill>
+        <p:spPr>
+          <a:xfrm>
+            <a:off x="1423987" y="814387"/>
+            <a:ext cx="9344025" cy="5229225"/>
+          </a:xfrm>
+          <a:prstGeom prst="rect">
+            <a:avLst/>
+          </a:prstGeom>
+        </p:spPr>
+      </p:pic>
+    </p:spTree>
+    <p:extLst>
+      <p:ext uri="{BB962C8B-B14F-4D97-AF65-F5344CB8AC3E}">
+        <p14:creationId xmlns:p14="http://schemas.microsoft.com/office/powerpoint/2010/main" val="1385776931"/>
       </p:ext>
     </p:extLst>
   </p:cSld>
